--- a/final/pres.pptx
+++ b/final/pres.pptx
@@ -3333,7 +3333,7 @@
           <a:p>
             <a:r>
               <a:rPr lang="en-US" dirty="0"/>
-              <a:t>Methods for Modeling Population Growth</a:t>
+              <a:t>Methods for Projecting Population Growth</a:t>
             </a:r>
           </a:p>
         </p:txBody>
